--- a/文档/微通 答辩ppt ver2.pptx
+++ b/文档/微通 答辩ppt ver2.pptx
@@ -4556,12 +4556,8 @@
           <a:lstStyle/>
           <a:p>
             <a:r>
-              <a:rPr lang="zh-CN" altLang="en-US" dirty="0"/>
-              <a:t>操</a:t>
-            </a:r>
-            <a:r>
               <a:rPr lang="zh-CN" altLang="en-US" dirty="0" smtClean="0"/>
-              <a:t>作流程展示</a:t>
+              <a:t>主要功能</a:t>
             </a:r>
             <a:endParaRPr lang="en-US" dirty="0"/>
           </a:p>
@@ -4582,7 +4578,21 @@
           <a:bodyPr/>
           <a:lstStyle/>
           <a:p>
-            <a:endParaRPr lang="en-US"/>
+            <a:r>
+              <a:rPr lang="zh-CN" altLang="en-US" dirty="0" smtClean="0"/>
+              <a:t>通知发布及统计</a:t>
+            </a:r>
+            <a:endParaRPr lang="en-US" altLang="zh-CN" dirty="0" smtClean="0"/>
+          </a:p>
+          <a:p>
+            <a:r>
+              <a:rPr lang="zh-CN" altLang="en-US" dirty="0" smtClean="0"/>
+              <a:t>家长意见收集</a:t>
+            </a:r>
+            <a:endParaRPr lang="en-US" altLang="zh-CN" dirty="0" smtClean="0"/>
+          </a:p>
+          <a:p>
+            <a:endParaRPr lang="en-US" dirty="0"/>
           </a:p>
         </p:txBody>
       </p:sp>

--- a/文档/微通 答辩ppt ver2.pptx
+++ b/文档/微通 答辩ppt ver2.pptx
@@ -214,7 +214,7 @@
           <a:p>
             <a:fld id="{65FF0E68-2ED4-473C-AB4F-FD033A233794}" type="datetimeFigureOut">
               <a:rPr lang="en-US" smtClean="0"/>
-              <a:t>5/7/2016</a:t>
+              <a:t>5/8/2016</a:t>
             </a:fld>
             <a:endParaRPr lang="en-US"/>
           </a:p>
@@ -554,35 +554,35 @@
               <a:buNone/>
               <a:defRPr sz="2400"/>
             </a:lvl1pPr>
-            <a:lvl2pPr marL="457200" indent="0" algn="ctr">
+            <a:lvl2pPr marL="457178" indent="0" algn="ctr">
               <a:buNone/>
               <a:defRPr sz="2000"/>
             </a:lvl2pPr>
-            <a:lvl3pPr marL="914400" indent="0" algn="ctr">
+            <a:lvl3pPr marL="914354" indent="0" algn="ctr">
               <a:buNone/>
               <a:defRPr sz="1800"/>
             </a:lvl3pPr>
-            <a:lvl4pPr marL="1371600" indent="0" algn="ctr">
+            <a:lvl4pPr marL="1371532" indent="0" algn="ctr">
               <a:buNone/>
               <a:defRPr sz="1600"/>
             </a:lvl4pPr>
-            <a:lvl5pPr marL="1828800" indent="0" algn="ctr">
+            <a:lvl5pPr marL="1828709" indent="0" algn="ctr">
               <a:buNone/>
               <a:defRPr sz="1600"/>
             </a:lvl5pPr>
-            <a:lvl6pPr marL="2286000" indent="0" algn="ctr">
+            <a:lvl6pPr marL="2285886" indent="0" algn="ctr">
               <a:buNone/>
               <a:defRPr sz="1600"/>
             </a:lvl6pPr>
-            <a:lvl7pPr marL="2743200" indent="0" algn="ctr">
+            <a:lvl7pPr marL="2743062" indent="0" algn="ctr">
               <a:buNone/>
               <a:defRPr sz="1600"/>
             </a:lvl7pPr>
-            <a:lvl8pPr marL="3200400" indent="0" algn="ctr">
+            <a:lvl8pPr marL="3200240" indent="0" algn="ctr">
               <a:buNone/>
               <a:defRPr sz="1600"/>
             </a:lvl8pPr>
-            <a:lvl9pPr marL="3657600" indent="0" algn="ctr">
+            <a:lvl9pPr marL="3657418" indent="0" algn="ctr">
               <a:buNone/>
               <a:defRPr sz="1600"/>
             </a:lvl9pPr>
@@ -613,7 +613,7 @@
           <a:p>
             <a:fld id="{696D0522-A886-4890-8087-29C2DBE31790}" type="datetime1">
               <a:rPr lang="en-US" smtClean="0"/>
-              <a:t>5/7/2016</a:t>
+              <a:t>5/8/2016</a:t>
             </a:fld>
             <a:endParaRPr lang="en-US"/>
           </a:p>
@@ -631,7 +631,7 @@
         </p:nvSpPr>
         <p:spPr>
           <a:xfrm>
-            <a:off x="7239000" y="6356350"/>
+            <a:off x="7239000" y="6356356"/>
             <a:ext cx="4114800" cy="365125"/>
           </a:xfrm>
         </p:spPr>
@@ -846,7 +846,7 @@
           <a:p>
             <a:fld id="{F5CDB00B-1F10-4D62-9D70-8D117F813183}" type="datetime1">
               <a:rPr lang="en-US" smtClean="0"/>
-              <a:t>5/7/2016</a:t>
+              <a:t>5/8/2016</a:t>
             </a:fld>
             <a:endParaRPr lang="en-US"/>
           </a:p>
@@ -940,7 +940,7 @@
         </p:nvSpPr>
         <p:spPr>
           <a:xfrm>
-            <a:off x="8724900" y="365125"/>
+            <a:off x="8724902" y="365125"/>
             <a:ext cx="2628900" cy="5811838"/>
           </a:xfrm>
         </p:spPr>
@@ -968,7 +968,7 @@
         </p:nvSpPr>
         <p:spPr>
           <a:xfrm>
-            <a:off x="838200" y="365125"/>
+            <a:off x="838203" y="365125"/>
             <a:ext cx="7734300" cy="5811838"/>
           </a:xfrm>
         </p:spPr>
@@ -1030,7 +1030,7 @@
           <a:p>
             <a:fld id="{487AEF1F-5A20-43B7-9633-2B7145C1AD3A}" type="datetime1">
               <a:rPr lang="en-US" smtClean="0"/>
-              <a:t>5/7/2016</a:t>
+              <a:t>5/8/2016</a:t>
             </a:fld>
             <a:endParaRPr lang="en-US"/>
           </a:p>
@@ -1204,7 +1204,7 @@
           <a:p>
             <a:fld id="{8A725381-B35D-4827-869D-2EF571D9B8F1}" type="datetime1">
               <a:rPr lang="en-US" smtClean="0"/>
-              <a:t>5/7/2016</a:t>
+              <a:t>5/8/2016</a:t>
             </a:fld>
             <a:endParaRPr lang="en-US"/>
           </a:p>
@@ -1278,8 +1278,8 @@
         </p:blipFill>
         <p:spPr>
           <a:xfrm>
-            <a:off x="762224" y="530905"/>
-            <a:ext cx="994002" cy="994002"/>
+            <a:off x="762225" y="530905"/>
+            <a:ext cx="994003" cy="994002"/>
           </a:xfrm>
           <a:prstGeom prst="rect">
             <a:avLst/>
@@ -1294,7 +1294,7 @@
         </p:nvCxnSpPr>
         <p:spPr>
           <a:xfrm>
-            <a:off x="1930400" y="365125"/>
+            <a:off x="1930400" y="365129"/>
             <a:ext cx="0" cy="1325563"/>
           </a:xfrm>
           <a:prstGeom prst="line">
@@ -1363,7 +1363,7 @@
         </p:nvSpPr>
         <p:spPr>
           <a:xfrm>
-            <a:off x="831850" y="1709738"/>
+            <a:off x="831851" y="1709744"/>
             <a:ext cx="10515600" cy="2852737"/>
           </a:xfrm>
         </p:spPr>
@@ -1395,7 +1395,7 @@
         </p:nvSpPr>
         <p:spPr>
           <a:xfrm>
-            <a:off x="831850" y="4589463"/>
+            <a:off x="831851" y="4589469"/>
             <a:ext cx="10515600" cy="1500187"/>
           </a:xfrm>
         </p:spPr>
@@ -1412,7 +1412,7 @@
                 </a:solidFill>
               </a:defRPr>
             </a:lvl1pPr>
-            <a:lvl2pPr marL="457200" indent="0">
+            <a:lvl2pPr marL="457178" indent="0">
               <a:buNone/>
               <a:defRPr sz="2000">
                 <a:solidFill>
@@ -1422,7 +1422,7 @@
                 </a:solidFill>
               </a:defRPr>
             </a:lvl2pPr>
-            <a:lvl3pPr marL="914400" indent="0">
+            <a:lvl3pPr marL="914354" indent="0">
               <a:buNone/>
               <a:defRPr sz="1800">
                 <a:solidFill>
@@ -1432,7 +1432,7 @@
                 </a:solidFill>
               </a:defRPr>
             </a:lvl3pPr>
-            <a:lvl4pPr marL="1371600" indent="0">
+            <a:lvl4pPr marL="1371532" indent="0">
               <a:buNone/>
               <a:defRPr sz="1600">
                 <a:solidFill>
@@ -1442,7 +1442,7 @@
                 </a:solidFill>
               </a:defRPr>
             </a:lvl4pPr>
-            <a:lvl5pPr marL="1828800" indent="0">
+            <a:lvl5pPr marL="1828709" indent="0">
               <a:buNone/>
               <a:defRPr sz="1600">
                 <a:solidFill>
@@ -1452,7 +1452,7 @@
                 </a:solidFill>
               </a:defRPr>
             </a:lvl5pPr>
-            <a:lvl6pPr marL="2286000" indent="0">
+            <a:lvl6pPr marL="2285886" indent="0">
               <a:buNone/>
               <a:defRPr sz="1600">
                 <a:solidFill>
@@ -1462,7 +1462,7 @@
                 </a:solidFill>
               </a:defRPr>
             </a:lvl6pPr>
-            <a:lvl7pPr marL="2743200" indent="0">
+            <a:lvl7pPr marL="2743062" indent="0">
               <a:buNone/>
               <a:defRPr sz="1600">
                 <a:solidFill>
@@ -1472,7 +1472,7 @@
                 </a:solidFill>
               </a:defRPr>
             </a:lvl7pPr>
-            <a:lvl8pPr marL="3200400" indent="0">
+            <a:lvl8pPr marL="3200240" indent="0">
               <a:buNone/>
               <a:defRPr sz="1600">
                 <a:solidFill>
@@ -1482,7 +1482,7 @@
                 </a:solidFill>
               </a:defRPr>
             </a:lvl8pPr>
-            <a:lvl9pPr marL="3657600" indent="0">
+            <a:lvl9pPr marL="3657418" indent="0">
               <a:buNone/>
               <a:defRPr sz="1600">
                 <a:solidFill>
@@ -1519,7 +1519,7 @@
           <a:p>
             <a:fld id="{100003CE-9C38-4E72-906D-92E95AA7757B}" type="datetime1">
               <a:rPr lang="en-US" smtClean="0"/>
-              <a:t>5/7/2016</a:t>
+              <a:t>5/8/2016</a:t>
             </a:fld>
             <a:endParaRPr lang="en-US"/>
           </a:p>
@@ -1755,7 +1755,7 @@
           <a:p>
             <a:fld id="{236CC9E4-991C-456A-B492-F85A4B9095A9}" type="datetime1">
               <a:rPr lang="en-US" smtClean="0"/>
-              <a:t>5/7/2016</a:t>
+              <a:t>5/8/2016</a:t>
             </a:fld>
             <a:endParaRPr lang="en-US"/>
           </a:p>
@@ -1849,7 +1849,7 @@
         </p:nvSpPr>
         <p:spPr>
           <a:xfrm>
-            <a:off x="839788" y="365125"/>
+            <a:off x="839788" y="365129"/>
             <a:ext cx="10515600" cy="1325563"/>
           </a:xfrm>
         </p:spPr>
@@ -1877,7 +1877,7 @@
         </p:nvSpPr>
         <p:spPr>
           <a:xfrm>
-            <a:off x="839788" y="1681163"/>
+            <a:off x="839789" y="1681163"/>
             <a:ext cx="5157787" cy="823912"/>
           </a:xfrm>
         </p:spPr>
@@ -1888,35 +1888,35 @@
               <a:buNone/>
               <a:defRPr sz="2400" b="1"/>
             </a:lvl1pPr>
-            <a:lvl2pPr marL="457200" indent="0">
+            <a:lvl2pPr marL="457178" indent="0">
               <a:buNone/>
               <a:defRPr sz="2000" b="1"/>
             </a:lvl2pPr>
-            <a:lvl3pPr marL="914400" indent="0">
+            <a:lvl3pPr marL="914354" indent="0">
               <a:buNone/>
               <a:defRPr sz="1800" b="1"/>
             </a:lvl3pPr>
-            <a:lvl4pPr marL="1371600" indent="0">
+            <a:lvl4pPr marL="1371532" indent="0">
               <a:buNone/>
               <a:defRPr sz="1600" b="1"/>
             </a:lvl4pPr>
-            <a:lvl5pPr marL="1828800" indent="0">
+            <a:lvl5pPr marL="1828709" indent="0">
               <a:buNone/>
               <a:defRPr sz="1600" b="1"/>
             </a:lvl5pPr>
-            <a:lvl6pPr marL="2286000" indent="0">
+            <a:lvl6pPr marL="2285886" indent="0">
               <a:buNone/>
               <a:defRPr sz="1600" b="1"/>
             </a:lvl6pPr>
-            <a:lvl7pPr marL="2743200" indent="0">
+            <a:lvl7pPr marL="2743062" indent="0">
               <a:buNone/>
               <a:defRPr sz="1600" b="1"/>
             </a:lvl7pPr>
-            <a:lvl8pPr marL="3200400" indent="0">
+            <a:lvl8pPr marL="3200240" indent="0">
               <a:buNone/>
               <a:defRPr sz="1600" b="1"/>
             </a:lvl8pPr>
-            <a:lvl9pPr marL="3657600" indent="0">
+            <a:lvl9pPr marL="3657418" indent="0">
               <a:buNone/>
               <a:defRPr sz="1600" b="1"/>
             </a:lvl9pPr>
@@ -1942,7 +1942,7 @@
         </p:nvSpPr>
         <p:spPr>
           <a:xfrm>
-            <a:off x="839788" y="2505075"/>
+            <a:off x="839789" y="2505075"/>
             <a:ext cx="5157787" cy="3684588"/>
           </a:xfrm>
         </p:spPr>
@@ -1999,7 +1999,7 @@
         </p:nvSpPr>
         <p:spPr>
           <a:xfrm>
-            <a:off x="6172200" y="1681163"/>
+            <a:off x="6172203" y="1681163"/>
             <a:ext cx="5183188" cy="823912"/>
           </a:xfrm>
         </p:spPr>
@@ -2010,35 +2010,35 @@
               <a:buNone/>
               <a:defRPr sz="2400" b="1"/>
             </a:lvl1pPr>
-            <a:lvl2pPr marL="457200" indent="0">
+            <a:lvl2pPr marL="457178" indent="0">
               <a:buNone/>
               <a:defRPr sz="2000" b="1"/>
             </a:lvl2pPr>
-            <a:lvl3pPr marL="914400" indent="0">
+            <a:lvl3pPr marL="914354" indent="0">
               <a:buNone/>
               <a:defRPr sz="1800" b="1"/>
             </a:lvl3pPr>
-            <a:lvl4pPr marL="1371600" indent="0">
+            <a:lvl4pPr marL="1371532" indent="0">
               <a:buNone/>
               <a:defRPr sz="1600" b="1"/>
             </a:lvl4pPr>
-            <a:lvl5pPr marL="1828800" indent="0">
+            <a:lvl5pPr marL="1828709" indent="0">
               <a:buNone/>
               <a:defRPr sz="1600" b="1"/>
             </a:lvl5pPr>
-            <a:lvl6pPr marL="2286000" indent="0">
+            <a:lvl6pPr marL="2285886" indent="0">
               <a:buNone/>
               <a:defRPr sz="1600" b="1"/>
             </a:lvl6pPr>
-            <a:lvl7pPr marL="2743200" indent="0">
+            <a:lvl7pPr marL="2743062" indent="0">
               <a:buNone/>
               <a:defRPr sz="1600" b="1"/>
             </a:lvl7pPr>
-            <a:lvl8pPr marL="3200400" indent="0">
+            <a:lvl8pPr marL="3200240" indent="0">
               <a:buNone/>
               <a:defRPr sz="1600" b="1"/>
             </a:lvl8pPr>
-            <a:lvl9pPr marL="3657600" indent="0">
+            <a:lvl9pPr marL="3657418" indent="0">
               <a:buNone/>
               <a:defRPr sz="1600" b="1"/>
             </a:lvl9pPr>
@@ -2064,7 +2064,7 @@
         </p:nvSpPr>
         <p:spPr>
           <a:xfrm>
-            <a:off x="6172200" y="2505075"/>
+            <a:off x="6172203" y="2505075"/>
             <a:ext cx="5183188" cy="3684588"/>
           </a:xfrm>
         </p:spPr>
@@ -2126,7 +2126,7 @@
           <a:p>
             <a:fld id="{1EB63BFB-C1EB-46E9-AB72-DE98F58C1758}" type="datetime1">
               <a:rPr lang="en-US" smtClean="0"/>
-              <a:t>5/7/2016</a:t>
+              <a:t>5/8/2016</a:t>
             </a:fld>
             <a:endParaRPr lang="en-US"/>
           </a:p>
@@ -2248,7 +2248,7 @@
           <a:p>
             <a:fld id="{68C7676E-0444-4CE6-B237-DA218860CBC5}" type="datetime1">
               <a:rPr lang="en-US" smtClean="0"/>
-              <a:t>5/7/2016</a:t>
+              <a:t>5/8/2016</a:t>
             </a:fld>
             <a:endParaRPr lang="en-US"/>
           </a:p>
@@ -2347,7 +2347,7 @@
           <a:p>
             <a:fld id="{0779FA55-72F6-4812-A26E-6764BE0A0330}" type="datetime1">
               <a:rPr lang="en-US" smtClean="0"/>
-              <a:t>5/7/2016</a:t>
+              <a:t>5/8/2016</a:t>
             </a:fld>
             <a:endParaRPr lang="en-US"/>
           </a:p>
@@ -2473,7 +2473,7 @@
         </p:nvSpPr>
         <p:spPr>
           <a:xfrm>
-            <a:off x="5183188" y="987425"/>
+            <a:off x="5183188" y="987431"/>
             <a:ext cx="6172200" cy="4873625"/>
           </a:xfrm>
         </p:spPr>
@@ -2569,35 +2569,35 @@
               <a:buNone/>
               <a:defRPr sz="1600"/>
             </a:lvl1pPr>
-            <a:lvl2pPr marL="457200" indent="0">
+            <a:lvl2pPr marL="457178" indent="0">
               <a:buNone/>
               <a:defRPr sz="1400"/>
             </a:lvl2pPr>
-            <a:lvl3pPr marL="914400" indent="0">
+            <a:lvl3pPr marL="914354" indent="0">
               <a:buNone/>
               <a:defRPr sz="1200"/>
             </a:lvl3pPr>
-            <a:lvl4pPr marL="1371600" indent="0">
+            <a:lvl4pPr marL="1371532" indent="0">
               <a:buNone/>
               <a:defRPr sz="1000"/>
             </a:lvl4pPr>
-            <a:lvl5pPr marL="1828800" indent="0">
+            <a:lvl5pPr marL="1828709" indent="0">
               <a:buNone/>
               <a:defRPr sz="1000"/>
             </a:lvl5pPr>
-            <a:lvl6pPr marL="2286000" indent="0">
+            <a:lvl6pPr marL="2285886" indent="0">
               <a:buNone/>
               <a:defRPr sz="1000"/>
             </a:lvl6pPr>
-            <a:lvl7pPr marL="2743200" indent="0">
+            <a:lvl7pPr marL="2743062" indent="0">
               <a:buNone/>
               <a:defRPr sz="1000"/>
             </a:lvl7pPr>
-            <a:lvl8pPr marL="3200400" indent="0">
+            <a:lvl8pPr marL="3200240" indent="0">
               <a:buNone/>
               <a:defRPr sz="1000"/>
             </a:lvl8pPr>
-            <a:lvl9pPr marL="3657600" indent="0">
+            <a:lvl9pPr marL="3657418" indent="0">
               <a:buNone/>
               <a:defRPr sz="1000"/>
             </a:lvl9pPr>
@@ -2628,7 +2628,7 @@
           <a:p>
             <a:fld id="{E3DA6D11-6C3B-4D8F-A20D-4D2E196983AD}" type="datetime1">
               <a:rPr lang="en-US" smtClean="0"/>
-              <a:t>5/7/2016</a:t>
+              <a:t>5/8/2016</a:t>
             </a:fld>
             <a:endParaRPr lang="en-US"/>
           </a:p>
@@ -2754,7 +2754,7 @@
         </p:nvSpPr>
         <p:spPr>
           <a:xfrm>
-            <a:off x="5183188" y="987425"/>
+            <a:off x="5183188" y="987431"/>
             <a:ext cx="6172200" cy="4873625"/>
           </a:xfrm>
         </p:spPr>
@@ -2765,35 +2765,35 @@
               <a:buNone/>
               <a:defRPr sz="3200"/>
             </a:lvl1pPr>
-            <a:lvl2pPr marL="457200" indent="0">
+            <a:lvl2pPr marL="457178" indent="0">
               <a:buNone/>
               <a:defRPr sz="2800"/>
             </a:lvl2pPr>
-            <a:lvl3pPr marL="914400" indent="0">
+            <a:lvl3pPr marL="914354" indent="0">
               <a:buNone/>
               <a:defRPr sz="2400"/>
             </a:lvl3pPr>
-            <a:lvl4pPr marL="1371600" indent="0">
+            <a:lvl4pPr marL="1371532" indent="0">
               <a:buNone/>
               <a:defRPr sz="2000"/>
             </a:lvl4pPr>
-            <a:lvl5pPr marL="1828800" indent="0">
+            <a:lvl5pPr marL="1828709" indent="0">
               <a:buNone/>
               <a:defRPr sz="2000"/>
             </a:lvl5pPr>
-            <a:lvl6pPr marL="2286000" indent="0">
+            <a:lvl6pPr marL="2285886" indent="0">
               <a:buNone/>
               <a:defRPr sz="2000"/>
             </a:lvl6pPr>
-            <a:lvl7pPr marL="2743200" indent="0">
+            <a:lvl7pPr marL="2743062" indent="0">
               <a:buNone/>
               <a:defRPr sz="2000"/>
             </a:lvl7pPr>
-            <a:lvl8pPr marL="3200400" indent="0">
+            <a:lvl8pPr marL="3200240" indent="0">
               <a:buNone/>
               <a:defRPr sz="2000"/>
             </a:lvl8pPr>
-            <a:lvl9pPr marL="3657600" indent="0">
+            <a:lvl9pPr marL="3657418" indent="0">
               <a:buNone/>
               <a:defRPr sz="2000"/>
             </a:lvl9pPr>
@@ -2826,35 +2826,35 @@
               <a:buNone/>
               <a:defRPr sz="1600"/>
             </a:lvl1pPr>
-            <a:lvl2pPr marL="457200" indent="0">
+            <a:lvl2pPr marL="457178" indent="0">
               <a:buNone/>
               <a:defRPr sz="1400"/>
             </a:lvl2pPr>
-            <a:lvl3pPr marL="914400" indent="0">
+            <a:lvl3pPr marL="914354" indent="0">
               <a:buNone/>
               <a:defRPr sz="1200"/>
             </a:lvl3pPr>
-            <a:lvl4pPr marL="1371600" indent="0">
+            <a:lvl4pPr marL="1371532" indent="0">
               <a:buNone/>
               <a:defRPr sz="1000"/>
             </a:lvl4pPr>
-            <a:lvl5pPr marL="1828800" indent="0">
+            <a:lvl5pPr marL="1828709" indent="0">
               <a:buNone/>
               <a:defRPr sz="1000"/>
             </a:lvl5pPr>
-            <a:lvl6pPr marL="2286000" indent="0">
+            <a:lvl6pPr marL="2285886" indent="0">
               <a:buNone/>
               <a:defRPr sz="1000"/>
             </a:lvl6pPr>
-            <a:lvl7pPr marL="2743200" indent="0">
+            <a:lvl7pPr marL="2743062" indent="0">
               <a:buNone/>
               <a:defRPr sz="1000"/>
             </a:lvl7pPr>
-            <a:lvl8pPr marL="3200400" indent="0">
+            <a:lvl8pPr marL="3200240" indent="0">
               <a:buNone/>
               <a:defRPr sz="1000"/>
             </a:lvl8pPr>
-            <a:lvl9pPr marL="3657600" indent="0">
+            <a:lvl9pPr marL="3657418" indent="0">
               <a:buNone/>
               <a:defRPr sz="1000"/>
             </a:lvl9pPr>
@@ -2885,7 +2885,7 @@
           <a:p>
             <a:fld id="{8E6B1BF2-1BC4-4D73-AF4E-E408B5A10F72}" type="datetime1">
               <a:rPr lang="en-US" smtClean="0"/>
-              <a:t>5/7/2016</a:t>
+              <a:t>5/8/2016</a:t>
             </a:fld>
             <a:endParaRPr lang="en-US"/>
           </a:p>
@@ -2996,7 +2996,7 @@
         </p:nvSpPr>
         <p:spPr>
           <a:xfrm>
-            <a:off x="2104575" y="365125"/>
+            <a:off x="2104575" y="365129"/>
             <a:ext cx="9249224" cy="1325563"/>
           </a:xfrm>
           <a:prstGeom prst="rect">
@@ -3091,7 +3091,7 @@
         </p:nvSpPr>
         <p:spPr>
           <a:xfrm>
-            <a:off x="838200" y="6356350"/>
+            <a:off x="838200" y="6356356"/>
             <a:ext cx="2743200" cy="365125"/>
           </a:xfrm>
           <a:prstGeom prst="rect">
@@ -3114,7 +3114,7 @@
           <a:p>
             <a:fld id="{535AECDE-F9EE-4FB9-A160-22504F4C48EF}" type="datetime1">
               <a:rPr lang="en-US" smtClean="0"/>
-              <a:t>5/7/2016</a:t>
+              <a:t>5/8/2016</a:t>
             </a:fld>
             <a:endParaRPr lang="en-US"/>
           </a:p>
@@ -3132,7 +3132,7 @@
         </p:nvSpPr>
         <p:spPr>
           <a:xfrm>
-            <a:off x="4038600" y="6356350"/>
+            <a:off x="4038600" y="6356356"/>
             <a:ext cx="4114800" cy="365125"/>
           </a:xfrm>
           <a:prstGeom prst="rect">
@@ -3173,7 +3173,7 @@
         </p:nvSpPr>
         <p:spPr>
           <a:xfrm>
-            <a:off x="8610600" y="6356350"/>
+            <a:off x="8610600" y="6356356"/>
             <a:ext cx="2743200" cy="365125"/>
           </a:xfrm>
           <a:prstGeom prst="rect">
@@ -3226,7 +3226,7 @@
   <p:hf sldNum="0" hdr="0" dt="0"/>
   <p:txStyles>
     <p:titleStyle>
-      <a:lvl1pPr algn="l" defTabSz="914400" rtl="0" eaLnBrk="1" latinLnBrk="0" hangingPunct="1">
+      <a:lvl1pPr algn="l" defTabSz="914354" rtl="0" eaLnBrk="1" latinLnBrk="0" hangingPunct="1">
         <a:lnSpc>
           <a:spcPct val="90000"/>
         </a:lnSpc>
@@ -3252,7 +3252,7 @@
       </a:lvl1pPr>
     </p:titleStyle>
     <p:bodyStyle>
-      <a:lvl1pPr marL="228600" indent="-228600" algn="l" defTabSz="914400" rtl="0" eaLnBrk="1" latinLnBrk="0" hangingPunct="1">
+      <a:lvl1pPr marL="228589" indent="-228589" algn="l" defTabSz="914354" rtl="0" eaLnBrk="1" latinLnBrk="0" hangingPunct="1">
         <a:lnSpc>
           <a:spcPct val="90000"/>
         </a:lnSpc>
@@ -3270,7 +3270,7 @@
           <a:cs typeface="+mn-cs"/>
         </a:defRPr>
       </a:lvl1pPr>
-      <a:lvl2pPr marL="685800" indent="-228600" algn="l" defTabSz="914400" rtl="0" eaLnBrk="1" latinLnBrk="0" hangingPunct="1">
+      <a:lvl2pPr marL="685766" indent="-228589" algn="l" defTabSz="914354" rtl="0" eaLnBrk="1" latinLnBrk="0" hangingPunct="1">
         <a:lnSpc>
           <a:spcPct val="90000"/>
         </a:lnSpc>
@@ -3288,7 +3288,7 @@
           <a:cs typeface="+mn-cs"/>
         </a:defRPr>
       </a:lvl2pPr>
-      <a:lvl3pPr marL="1143000" indent="-228600" algn="l" defTabSz="914400" rtl="0" eaLnBrk="1" latinLnBrk="0" hangingPunct="1">
+      <a:lvl3pPr marL="1142942" indent="-228589" algn="l" defTabSz="914354" rtl="0" eaLnBrk="1" latinLnBrk="0" hangingPunct="1">
         <a:lnSpc>
           <a:spcPct val="90000"/>
         </a:lnSpc>
@@ -3306,7 +3306,7 @@
           <a:cs typeface="+mn-cs"/>
         </a:defRPr>
       </a:lvl3pPr>
-      <a:lvl4pPr marL="1600200" indent="-228600" algn="l" defTabSz="914400" rtl="0" eaLnBrk="1" latinLnBrk="0" hangingPunct="1">
+      <a:lvl4pPr marL="1600120" indent="-228589" algn="l" defTabSz="914354" rtl="0" eaLnBrk="1" latinLnBrk="0" hangingPunct="1">
         <a:lnSpc>
           <a:spcPct val="90000"/>
         </a:lnSpc>
@@ -3324,7 +3324,7 @@
           <a:cs typeface="+mn-cs"/>
         </a:defRPr>
       </a:lvl4pPr>
-      <a:lvl5pPr marL="2057400" indent="-228600" algn="l" defTabSz="914400" rtl="0" eaLnBrk="1" latinLnBrk="0" hangingPunct="1">
+      <a:lvl5pPr marL="2057298" indent="-228589" algn="l" defTabSz="914354" rtl="0" eaLnBrk="1" latinLnBrk="0" hangingPunct="1">
         <a:lnSpc>
           <a:spcPct val="90000"/>
         </a:lnSpc>
@@ -3342,7 +3342,7 @@
           <a:cs typeface="+mn-cs"/>
         </a:defRPr>
       </a:lvl5pPr>
-      <a:lvl6pPr marL="2514600" indent="-228600" algn="l" defTabSz="914400" rtl="0" eaLnBrk="1" latinLnBrk="0" hangingPunct="1">
+      <a:lvl6pPr marL="2514474" indent="-228589" algn="l" defTabSz="914354" rtl="0" eaLnBrk="1" latinLnBrk="0" hangingPunct="1">
         <a:lnSpc>
           <a:spcPct val="90000"/>
         </a:lnSpc>
@@ -3360,7 +3360,7 @@
           <a:cs typeface="+mn-cs"/>
         </a:defRPr>
       </a:lvl6pPr>
-      <a:lvl7pPr marL="2971800" indent="-228600" algn="l" defTabSz="914400" rtl="0" eaLnBrk="1" latinLnBrk="0" hangingPunct="1">
+      <a:lvl7pPr marL="2971652" indent="-228589" algn="l" defTabSz="914354" rtl="0" eaLnBrk="1" latinLnBrk="0" hangingPunct="1">
         <a:lnSpc>
           <a:spcPct val="90000"/>
         </a:lnSpc>
@@ -3378,7 +3378,7 @@
           <a:cs typeface="+mn-cs"/>
         </a:defRPr>
       </a:lvl7pPr>
-      <a:lvl8pPr marL="3429000" indent="-228600" algn="l" defTabSz="914400" rtl="0" eaLnBrk="1" latinLnBrk="0" hangingPunct="1">
+      <a:lvl8pPr marL="3428829" indent="-228589" algn="l" defTabSz="914354" rtl="0" eaLnBrk="1" latinLnBrk="0" hangingPunct="1">
         <a:lnSpc>
           <a:spcPct val="90000"/>
         </a:lnSpc>
@@ -3396,7 +3396,7 @@
           <a:cs typeface="+mn-cs"/>
         </a:defRPr>
       </a:lvl8pPr>
-      <a:lvl9pPr marL="3886200" indent="-228600" algn="l" defTabSz="914400" rtl="0" eaLnBrk="1" latinLnBrk="0" hangingPunct="1">
+      <a:lvl9pPr marL="3886006" indent="-228589" algn="l" defTabSz="914354" rtl="0" eaLnBrk="1" latinLnBrk="0" hangingPunct="1">
         <a:lnSpc>
           <a:spcPct val="90000"/>
         </a:lnSpc>
@@ -3419,7 +3419,7 @@
       <a:defPPr>
         <a:defRPr lang="en-US"/>
       </a:defPPr>
-      <a:lvl1pPr marL="0" algn="l" defTabSz="914400" rtl="0" eaLnBrk="1" latinLnBrk="0" hangingPunct="1">
+      <a:lvl1pPr marL="0" algn="l" defTabSz="914354" rtl="0" eaLnBrk="1" latinLnBrk="0" hangingPunct="1">
         <a:defRPr sz="1800" kern="1200">
           <a:solidFill>
             <a:schemeClr val="tx1"/>
@@ -3429,7 +3429,7 @@
           <a:cs typeface="+mn-cs"/>
         </a:defRPr>
       </a:lvl1pPr>
-      <a:lvl2pPr marL="457200" algn="l" defTabSz="914400" rtl="0" eaLnBrk="1" latinLnBrk="0" hangingPunct="1">
+      <a:lvl2pPr marL="457178" algn="l" defTabSz="914354" rtl="0" eaLnBrk="1" latinLnBrk="0" hangingPunct="1">
         <a:defRPr sz="1800" kern="1200">
           <a:solidFill>
             <a:schemeClr val="tx1"/>
@@ -3439,7 +3439,7 @@
           <a:cs typeface="+mn-cs"/>
         </a:defRPr>
       </a:lvl2pPr>
-      <a:lvl3pPr marL="914400" algn="l" defTabSz="914400" rtl="0" eaLnBrk="1" latinLnBrk="0" hangingPunct="1">
+      <a:lvl3pPr marL="914354" algn="l" defTabSz="914354" rtl="0" eaLnBrk="1" latinLnBrk="0" hangingPunct="1">
         <a:defRPr sz="1800" kern="1200">
           <a:solidFill>
             <a:schemeClr val="tx1"/>
@@ -3449,7 +3449,7 @@
           <a:cs typeface="+mn-cs"/>
         </a:defRPr>
       </a:lvl3pPr>
-      <a:lvl4pPr marL="1371600" algn="l" defTabSz="914400" rtl="0" eaLnBrk="1" latinLnBrk="0" hangingPunct="1">
+      <a:lvl4pPr marL="1371532" algn="l" defTabSz="914354" rtl="0" eaLnBrk="1" latinLnBrk="0" hangingPunct="1">
         <a:defRPr sz="1800" kern="1200">
           <a:solidFill>
             <a:schemeClr val="tx1"/>
@@ -3459,7 +3459,7 @@
           <a:cs typeface="+mn-cs"/>
         </a:defRPr>
       </a:lvl4pPr>
-      <a:lvl5pPr marL="1828800" algn="l" defTabSz="914400" rtl="0" eaLnBrk="1" latinLnBrk="0" hangingPunct="1">
+      <a:lvl5pPr marL="1828709" algn="l" defTabSz="914354" rtl="0" eaLnBrk="1" latinLnBrk="0" hangingPunct="1">
         <a:defRPr sz="1800" kern="1200">
           <a:solidFill>
             <a:schemeClr val="tx1"/>
@@ -3469,7 +3469,7 @@
           <a:cs typeface="+mn-cs"/>
         </a:defRPr>
       </a:lvl5pPr>
-      <a:lvl6pPr marL="2286000" algn="l" defTabSz="914400" rtl="0" eaLnBrk="1" latinLnBrk="0" hangingPunct="1">
+      <a:lvl6pPr marL="2285886" algn="l" defTabSz="914354" rtl="0" eaLnBrk="1" latinLnBrk="0" hangingPunct="1">
         <a:defRPr sz="1800" kern="1200">
           <a:solidFill>
             <a:schemeClr val="tx1"/>
@@ -3479,7 +3479,7 @@
           <a:cs typeface="+mn-cs"/>
         </a:defRPr>
       </a:lvl6pPr>
-      <a:lvl7pPr marL="2743200" algn="l" defTabSz="914400" rtl="0" eaLnBrk="1" latinLnBrk="0" hangingPunct="1">
+      <a:lvl7pPr marL="2743062" algn="l" defTabSz="914354" rtl="0" eaLnBrk="1" latinLnBrk="0" hangingPunct="1">
         <a:defRPr sz="1800" kern="1200">
           <a:solidFill>
             <a:schemeClr val="tx1"/>
@@ -3489,7 +3489,7 @@
           <a:cs typeface="+mn-cs"/>
         </a:defRPr>
       </a:lvl7pPr>
-      <a:lvl8pPr marL="3200400" algn="l" defTabSz="914400" rtl="0" eaLnBrk="1" latinLnBrk="0" hangingPunct="1">
+      <a:lvl8pPr marL="3200240" algn="l" defTabSz="914354" rtl="0" eaLnBrk="1" latinLnBrk="0" hangingPunct="1">
         <a:defRPr sz="1800" kern="1200">
           <a:solidFill>
             <a:schemeClr val="tx1"/>
@@ -3499,7 +3499,7 @@
           <a:cs typeface="+mn-cs"/>
         </a:defRPr>
       </a:lvl8pPr>
-      <a:lvl9pPr marL="3657600" algn="l" defTabSz="914400" rtl="0" eaLnBrk="1" latinLnBrk="0" hangingPunct="1">
+      <a:lvl9pPr marL="3657418" algn="l" defTabSz="914354" rtl="0" eaLnBrk="1" latinLnBrk="0" hangingPunct="1">
         <a:defRPr sz="1800" kern="1200">
           <a:solidFill>
             <a:schemeClr val="tx1"/>
@@ -3543,8 +3543,8 @@
         </p:nvSpPr>
         <p:spPr>
           <a:xfrm>
-            <a:off x="4038599" y="1122363"/>
-            <a:ext cx="7920790" cy="2387600"/>
+            <a:off x="4038602" y="1122363"/>
+            <a:ext cx="7920791" cy="2387600"/>
           </a:xfrm>
         </p:spPr>
         <p:txBody>
@@ -3554,26 +3554,26 @@
           <a:lstStyle/>
           <a:p>
             <a:r>
-              <a:rPr lang="zh-CN" altLang="en-US" sz="4800" dirty="0" smtClean="0"/>
+              <a:rPr lang="zh-CN" altLang="en-US" sz="4800" dirty="0"/>
               <a:t>微通</a:t>
             </a:r>
             <a:r>
-              <a:rPr lang="en-US" altLang="zh-CN" sz="7200" dirty="0" smtClean="0"/>
+              <a:rPr lang="en-US" altLang="zh-CN" sz="7200" dirty="0"/>
               <a:t/>
             </a:r>
             <a:br>
-              <a:rPr lang="en-US" altLang="zh-CN" sz="7200" dirty="0" smtClean="0"/>
+              <a:rPr lang="en-US" altLang="zh-CN" sz="7200" dirty="0"/>
             </a:br>
             <a:r>
-              <a:rPr lang="zh-CN" altLang="en-US" sz="3600" dirty="0" smtClean="0"/>
+              <a:rPr lang="zh-CN" altLang="en-US" sz="3600" dirty="0"/>
               <a:t>老师</a:t>
             </a:r>
             <a:r>
-              <a:rPr lang="en-US" altLang="zh-CN" sz="3600" dirty="0" smtClean="0"/>
+              <a:rPr lang="en-US" altLang="zh-CN" sz="3600" dirty="0"/>
               <a:t>-</a:t>
             </a:r>
             <a:r>
-              <a:rPr lang="zh-CN" altLang="en-US" sz="3600" dirty="0" smtClean="0"/>
+              <a:rPr lang="zh-CN" altLang="en-US" sz="3600" dirty="0"/>
               <a:t>家长微</a:t>
             </a:r>
             <a:r>
@@ -3581,7 +3581,7 @@
               <a:t>信</a:t>
             </a:r>
             <a:r>
-              <a:rPr lang="zh-CN" altLang="en-US" sz="3600" dirty="0" smtClean="0"/>
+              <a:rPr lang="zh-CN" altLang="en-US" sz="3600" dirty="0"/>
               <a:t>群通知轻量级解决方案</a:t>
             </a:r>
             <a:endParaRPr lang="en-US" sz="3600" dirty="0"/>
@@ -3603,8 +3603,8 @@
           </p:nvPr>
         </p:nvGraphicFramePr>
         <p:xfrm>
-          <a:off x="4926341" y="3741462"/>
-          <a:ext cx="6145305" cy="1483360"/>
+          <a:off x="4926341" y="3741463"/>
+          <a:ext cx="6145306" cy="1524000"/>
         </p:xfrm>
         <a:graphic>
           <a:graphicData uri="http://schemas.openxmlformats.org/drawingml/2006/table">
@@ -3620,7 +3620,7 @@
                     </a:ext>
                   </a:extLst>
                 </a:gridCol>
-                <a:gridCol w="1726714">
+                <a:gridCol w="1726715">
                   <a:extLst>
                     <a:ext uri="{9D8B030D-6E8A-4147-A177-3AD203B41FA5}">
                       <a16:colId xmlns:a16="http://schemas.microsoft.com/office/drawing/2014/main" val="3144120502"/>
@@ -3635,7 +3635,7 @@
                   </a:extLst>
                 </a:gridCol>
               </a:tblGrid>
-              <a:tr h="370840">
+              <a:tr h="381000">
                 <a:tc>
                   <a:txBody>
                     <a:bodyPr/>
@@ -3643,14 +3643,14 @@
                     <a:p>
                       <a:pPr algn="ctr"/>
                       <a:r>
-                        <a:rPr lang="zh-CN" altLang="en-US" dirty="0" smtClean="0">
+                        <a:rPr lang="zh-CN" altLang="en-US" sz="1900" dirty="0" smtClean="0">
                           <a:solidFill>
                             <a:schemeClr val="bg1"/>
                           </a:solidFill>
                         </a:rPr>
                         <a:t>温    凯</a:t>
                       </a:r>
-                      <a:endParaRPr lang="en-US" dirty="0">
+                      <a:endParaRPr lang="en-US" sz="1900" dirty="0">
                         <a:solidFill>
                           <a:schemeClr val="bg1"/>
                         </a:solidFill>
@@ -3687,14 +3687,14 @@
                     <a:p>
                       <a:pPr algn="ctr"/>
                       <a:r>
-                        <a:rPr lang="en-US" dirty="0" smtClean="0">
+                        <a:rPr lang="en-US" sz="1900" dirty="0" smtClean="0">
                           <a:solidFill>
                             <a:schemeClr val="bg1"/>
                           </a:solidFill>
                         </a:rPr>
                         <a:t>1300063704</a:t>
                       </a:r>
-                      <a:endParaRPr lang="en-US" dirty="0">
+                      <a:endParaRPr lang="en-US" sz="1900" dirty="0">
                         <a:solidFill>
                           <a:schemeClr val="bg1"/>
                         </a:solidFill>
@@ -3731,14 +3731,14 @@
                     <a:p>
                       <a:pPr algn="ctr"/>
                       <a:r>
-                        <a:rPr lang="zh-CN" altLang="en-US" dirty="0" smtClean="0">
+                        <a:rPr lang="zh-CN" altLang="en-US" sz="1900" dirty="0" smtClean="0">
                           <a:solidFill>
                             <a:schemeClr val="bg1"/>
                           </a:solidFill>
                         </a:rPr>
                         <a:t>心理学系</a:t>
                       </a:r>
-                      <a:endParaRPr lang="en-US" dirty="0">
+                      <a:endParaRPr lang="en-US" sz="1900" dirty="0">
                         <a:solidFill>
                           <a:schemeClr val="bg1"/>
                         </a:solidFill>
@@ -3774,7 +3774,7 @@
                   </a:ext>
                 </a:extLst>
               </a:tr>
-              <a:tr h="370840">
+              <a:tr h="381000">
                 <a:tc>
                   <a:txBody>
                     <a:bodyPr/>
@@ -3782,14 +3782,14 @@
                     <a:p>
                       <a:pPr algn="ctr"/>
                       <a:r>
-                        <a:rPr lang="zh-CN" altLang="en-US" dirty="0" smtClean="0">
+                        <a:rPr lang="zh-CN" altLang="en-US" sz="1900" dirty="0" smtClean="0">
                           <a:solidFill>
                             <a:schemeClr val="bg1"/>
                           </a:solidFill>
                         </a:rPr>
                         <a:t>陈语嫣</a:t>
                       </a:r>
-                      <a:endParaRPr lang="en-US" dirty="0">
+                      <a:endParaRPr lang="en-US" sz="1900" dirty="0">
                         <a:solidFill>
                           <a:schemeClr val="bg1"/>
                         </a:solidFill>
@@ -3826,14 +3826,14 @@
                     <a:p>
                       <a:pPr algn="ctr"/>
                       <a:r>
-                        <a:rPr lang="en-US" dirty="0" smtClean="0">
+                        <a:rPr lang="en-US" sz="1900" dirty="0" smtClean="0">
                           <a:solidFill>
                             <a:schemeClr val="bg1"/>
                           </a:solidFill>
                         </a:rPr>
                         <a:t>1300013719</a:t>
                       </a:r>
-                      <a:endParaRPr lang="en-US" dirty="0">
+                      <a:endParaRPr lang="en-US" sz="1900" dirty="0">
                         <a:solidFill>
                           <a:schemeClr val="bg1"/>
                         </a:solidFill>
@@ -3870,14 +3870,14 @@
                     <a:p>
                       <a:pPr algn="ctr"/>
                       <a:r>
-                        <a:rPr lang="zh-CN" altLang="en-US" dirty="0" smtClean="0">
+                        <a:rPr lang="zh-CN" altLang="en-US" sz="1900" dirty="0" smtClean="0">
                           <a:solidFill>
                             <a:schemeClr val="bg1"/>
                           </a:solidFill>
                         </a:rPr>
                         <a:t>心理学系</a:t>
                       </a:r>
-                      <a:endParaRPr lang="en-US" dirty="0">
+                      <a:endParaRPr lang="en-US" sz="1900" dirty="0">
                         <a:solidFill>
                           <a:schemeClr val="bg1"/>
                         </a:solidFill>
@@ -3913,7 +3913,7 @@
                   </a:ext>
                 </a:extLst>
               </a:tr>
-              <a:tr h="370840">
+              <a:tr h="381000">
                 <a:tc>
                   <a:txBody>
                     <a:bodyPr/>
@@ -3921,14 +3921,14 @@
                     <a:p>
                       <a:pPr algn="ctr"/>
                       <a:r>
-                        <a:rPr lang="zh-CN" altLang="en-US" dirty="0" smtClean="0">
+                        <a:rPr lang="zh-CN" altLang="en-US" sz="1900" dirty="0" smtClean="0">
                           <a:solidFill>
                             <a:schemeClr val="bg1"/>
                           </a:solidFill>
                         </a:rPr>
                         <a:t>孙唯童</a:t>
                       </a:r>
-                      <a:endParaRPr lang="en-US" dirty="0">
+                      <a:endParaRPr lang="en-US" sz="1900" dirty="0">
                         <a:solidFill>
                           <a:schemeClr val="bg1"/>
                         </a:solidFill>
@@ -3965,14 +3965,14 @@
                     <a:p>
                       <a:pPr algn="ctr"/>
                       <a:r>
-                        <a:rPr lang="en-US" dirty="0" smtClean="0">
+                        <a:rPr lang="en-US" sz="1900" dirty="0" smtClean="0">
                           <a:solidFill>
                             <a:schemeClr val="bg1"/>
                           </a:solidFill>
                         </a:rPr>
                         <a:t>1200012617</a:t>
                       </a:r>
-                      <a:endParaRPr lang="en-US" dirty="0">
+                      <a:endParaRPr lang="en-US" sz="1900" dirty="0">
                         <a:solidFill>
                           <a:schemeClr val="bg1"/>
                         </a:solidFill>
@@ -4009,14 +4009,14 @@
                     <a:p>
                       <a:pPr algn="ctr"/>
                       <a:r>
-                        <a:rPr lang="zh-CN" altLang="en-US" dirty="0" smtClean="0">
+                        <a:rPr lang="zh-CN" altLang="en-US" sz="1900" dirty="0" smtClean="0">
                           <a:solidFill>
                             <a:schemeClr val="bg1"/>
                           </a:solidFill>
                         </a:rPr>
                         <a:t>地球与空间科学学院</a:t>
                       </a:r>
-                      <a:endParaRPr lang="en-US" dirty="0">
+                      <a:endParaRPr lang="en-US" sz="1900" dirty="0">
                         <a:solidFill>
                           <a:schemeClr val="bg1"/>
                         </a:solidFill>
@@ -4052,7 +4052,7 @@
                   </a:ext>
                 </a:extLst>
               </a:tr>
-              <a:tr h="370840">
+              <a:tr h="381000">
                 <a:tc gridSpan="3">
                   <a:txBody>
                     <a:bodyPr/>
@@ -4060,14 +4060,14 @@
                     <a:p>
                       <a:pPr algn="ctr"/>
                       <a:r>
-                        <a:rPr lang="zh-CN" altLang="en-US" dirty="0" smtClean="0">
+                        <a:rPr lang="zh-CN" altLang="en-US" sz="1900" dirty="0" smtClean="0">
                           <a:solidFill>
                             <a:schemeClr val="bg1"/>
                           </a:solidFill>
                         </a:rPr>
                         <a:t>指导老师：陈泓婕</a:t>
                       </a:r>
-                      <a:endParaRPr lang="en-US" dirty="0">
+                      <a:endParaRPr lang="en-US" sz="1900" dirty="0">
                         <a:solidFill>
                           <a:schemeClr val="bg1"/>
                         </a:solidFill>
@@ -4375,7 +4375,7 @@
         <p:spPr>
           <a:xfrm>
             <a:off x="838200" y="1825625"/>
-            <a:ext cx="7006389" cy="4351338"/>
+            <a:ext cx="7006389" cy="4351339"/>
           </a:xfrm>
         </p:spPr>
         <p:txBody>
@@ -4422,11 +4422,7 @@
           <a:p>
             <a:r>
               <a:rPr lang="zh-CN" altLang="en-US" dirty="0" smtClean="0"/>
-              <a:t>界面友好：</a:t>
-            </a:r>
-            <a:r>
-              <a:rPr lang="zh-CN" altLang="en-US" dirty="0" smtClean="0"/>
-              <a:t>通过使用</a:t>
+              <a:t>界面友好：通过使用</a:t>
             </a:r>
             <a:r>
               <a:rPr lang="en-US" dirty="0" smtClean="0"/>
@@ -4474,8 +4470,8 @@
         </p:nvSpPr>
         <p:spPr>
           <a:xfrm>
-            <a:off x="8014447" y="1690688"/>
-            <a:ext cx="3065929" cy="4665662"/>
+            <a:off x="8014453" y="1690693"/>
+            <a:ext cx="3065929" cy="4665663"/>
           </a:xfrm>
           <a:prstGeom prst="rect">
             <a:avLst/>
@@ -4503,7 +4499,7 @@
           <a:p>
             <a:pPr algn="ctr"/>
             <a:r>
-              <a:rPr lang="zh-CN" altLang="en-US" dirty="0" smtClean="0"/>
+              <a:rPr lang="zh-CN" altLang="en-US" dirty="0"/>
               <a:t>图！</a:t>
             </a:r>
             <a:endParaRPr lang="en-US" dirty="0"/>
@@ -4520,6 +4516,13 @@
   <p:clrMapOvr>
     <a:masterClrMapping/>
   </p:clrMapOvr>
+  <p:timing>
+    <p:tnLst>
+      <p:par>
+        <p:cTn id="1" dur="indefinite" restart="never" nodeType="tmRoot"/>
+      </p:par>
+    </p:tnLst>
+  </p:timing>
 </p:sld>
 </file>
 
@@ -4573,23 +4576,245 @@
             <p:ph idx="1"/>
           </p:nvPr>
         </p:nvSpPr>
+        <p:spPr>
+          <a:xfrm>
+            <a:off x="7555832" y="5525589"/>
+            <a:ext cx="3517232" cy="1195889"/>
+          </a:xfrm>
+        </p:spPr>
+        <p:txBody>
+          <a:bodyPr/>
+          <a:lstStyle/>
+          <a:p>
+            <a:r>
+              <a:rPr lang="zh-CN" altLang="en-US" dirty="0" smtClean="0"/>
+              <a:t>家</a:t>
+            </a:r>
+            <a:r>
+              <a:rPr lang="zh-CN" altLang="en-US" dirty="0" smtClean="0"/>
+              <a:t>长意见收集</a:t>
+            </a:r>
+            <a:endParaRPr lang="en-US" altLang="zh-CN" dirty="0" smtClean="0"/>
+          </a:p>
+          <a:p>
+            <a:endParaRPr lang="en-US" dirty="0"/>
+          </a:p>
+        </p:txBody>
+      </p:sp>
+      <p:sp>
+        <p:nvSpPr>
+          <p:cNvPr id="4" name="Footer Placeholder 3"/>
+          <p:cNvSpPr>
+            <a:spLocks noGrp="1"/>
+          </p:cNvSpPr>
+          <p:nvPr>
+            <p:ph type="ftr" sz="quarter" idx="11"/>
+          </p:nvPr>
+        </p:nvSpPr>
         <p:spPr/>
         <p:txBody>
           <a:bodyPr/>
           <a:lstStyle/>
           <a:p>
             <a:r>
-              <a:rPr lang="zh-CN" altLang="en-US" dirty="0" smtClean="0"/>
-              <a:t>通知发布及统计</a:t>
-            </a:r>
-            <a:endParaRPr lang="en-US" altLang="zh-CN" dirty="0" smtClean="0"/>
-          </a:p>
-          <a:p>
-            <a:r>
-              <a:rPr lang="zh-CN" altLang="en-US" dirty="0" smtClean="0"/>
-              <a:t>家长意见收集</a:t>
-            </a:r>
-            <a:endParaRPr lang="en-US" altLang="zh-CN" dirty="0" smtClean="0"/>
+              <a:rPr lang="en-US" smtClean="0"/>
+              <a:t>© Copyright 2016, Wechat Notifier Team</a:t>
+            </a:r>
+            <a:endParaRPr lang="en-US"/>
+          </a:p>
+        </p:txBody>
+      </p:sp>
+      <p:sp>
+        <p:nvSpPr>
+          <p:cNvPr id="6" name="Content Placeholder 2"/>
+          <p:cNvSpPr txBox="1">
+            <a:spLocks/>
+          </p:cNvSpPr>
+          <p:nvPr/>
+        </p:nvSpPr>
+        <p:spPr>
+          <a:xfrm>
+            <a:off x="1770172" y="5525589"/>
+            <a:ext cx="3517232" cy="1195889"/>
+          </a:xfrm>
+          <a:prstGeom prst="rect">
+            <a:avLst/>
+          </a:prstGeom>
+        </p:spPr>
+        <p:txBody>
+          <a:bodyPr vert="horz" lIns="91440" tIns="45720" rIns="91440" bIns="45720" rtlCol="0">
+            <a:normAutofit/>
+          </a:bodyPr>
+          <a:lstStyle>
+            <a:lvl1pPr marL="228594" indent="-228594" algn="l" defTabSz="914377" rtl="0" eaLnBrk="1" latinLnBrk="0" hangingPunct="1">
+              <a:lnSpc>
+                <a:spcPct val="90000"/>
+              </a:lnSpc>
+              <a:spcBef>
+                <a:spcPts val="1000"/>
+              </a:spcBef>
+              <a:buFont typeface="Arial" panose="020B0604020202020204" pitchFamily="34" charset="0"/>
+              <a:buChar char="•"/>
+              <a:defRPr sz="2800" kern="1200">
+                <a:solidFill>
+                  <a:schemeClr val="bg1"/>
+                </a:solidFill>
+                <a:latin typeface="+mn-lt"/>
+                <a:ea typeface="+mn-ea"/>
+                <a:cs typeface="+mn-cs"/>
+              </a:defRPr>
+            </a:lvl1pPr>
+            <a:lvl2pPr marL="685783" indent="-228594" algn="l" defTabSz="914377" rtl="0" eaLnBrk="1" latinLnBrk="0" hangingPunct="1">
+              <a:lnSpc>
+                <a:spcPct val="90000"/>
+              </a:lnSpc>
+              <a:spcBef>
+                <a:spcPts val="500"/>
+              </a:spcBef>
+              <a:buFont typeface="Arial" panose="020B0604020202020204" pitchFamily="34" charset="0"/>
+              <a:buChar char="•"/>
+              <a:defRPr sz="2400" kern="1200">
+                <a:solidFill>
+                  <a:schemeClr val="bg1"/>
+                </a:solidFill>
+                <a:latin typeface="+mn-lt"/>
+                <a:ea typeface="+mn-ea"/>
+                <a:cs typeface="+mn-cs"/>
+              </a:defRPr>
+            </a:lvl2pPr>
+            <a:lvl3pPr marL="1142971" indent="-228594" algn="l" defTabSz="914377" rtl="0" eaLnBrk="1" latinLnBrk="0" hangingPunct="1">
+              <a:lnSpc>
+                <a:spcPct val="90000"/>
+              </a:lnSpc>
+              <a:spcBef>
+                <a:spcPts val="500"/>
+              </a:spcBef>
+              <a:buFont typeface="Arial" panose="020B0604020202020204" pitchFamily="34" charset="0"/>
+              <a:buChar char="•"/>
+              <a:defRPr sz="2000" kern="1200">
+                <a:solidFill>
+                  <a:schemeClr val="bg1"/>
+                </a:solidFill>
+                <a:latin typeface="+mn-lt"/>
+                <a:ea typeface="+mn-ea"/>
+                <a:cs typeface="+mn-cs"/>
+              </a:defRPr>
+            </a:lvl3pPr>
+            <a:lvl4pPr marL="1600160" indent="-228594" algn="l" defTabSz="914377" rtl="0" eaLnBrk="1" latinLnBrk="0" hangingPunct="1">
+              <a:lnSpc>
+                <a:spcPct val="90000"/>
+              </a:lnSpc>
+              <a:spcBef>
+                <a:spcPts val="500"/>
+              </a:spcBef>
+              <a:buFont typeface="Arial" panose="020B0604020202020204" pitchFamily="34" charset="0"/>
+              <a:buChar char="•"/>
+              <a:defRPr sz="1800" kern="1200">
+                <a:solidFill>
+                  <a:schemeClr val="bg1"/>
+                </a:solidFill>
+                <a:latin typeface="+mn-lt"/>
+                <a:ea typeface="+mn-ea"/>
+                <a:cs typeface="+mn-cs"/>
+              </a:defRPr>
+            </a:lvl4pPr>
+            <a:lvl5pPr marL="2057349" indent="-228594" algn="l" defTabSz="914377" rtl="0" eaLnBrk="1" latinLnBrk="0" hangingPunct="1">
+              <a:lnSpc>
+                <a:spcPct val="90000"/>
+              </a:lnSpc>
+              <a:spcBef>
+                <a:spcPts val="500"/>
+              </a:spcBef>
+              <a:buFont typeface="Arial" panose="020B0604020202020204" pitchFamily="34" charset="0"/>
+              <a:buChar char="•"/>
+              <a:defRPr sz="1800" kern="1200">
+                <a:solidFill>
+                  <a:schemeClr val="bg1"/>
+                </a:solidFill>
+                <a:latin typeface="+mn-lt"/>
+                <a:ea typeface="+mn-ea"/>
+                <a:cs typeface="+mn-cs"/>
+              </a:defRPr>
+            </a:lvl5pPr>
+            <a:lvl6pPr marL="2514537" indent="-228594" algn="l" defTabSz="914377" rtl="0" eaLnBrk="1" latinLnBrk="0" hangingPunct="1">
+              <a:lnSpc>
+                <a:spcPct val="90000"/>
+              </a:lnSpc>
+              <a:spcBef>
+                <a:spcPts val="500"/>
+              </a:spcBef>
+              <a:buFont typeface="Arial" panose="020B0604020202020204" pitchFamily="34" charset="0"/>
+              <a:buChar char="•"/>
+              <a:defRPr sz="1800" kern="1200">
+                <a:solidFill>
+                  <a:schemeClr val="tx1"/>
+                </a:solidFill>
+                <a:latin typeface="+mn-lt"/>
+                <a:ea typeface="+mn-ea"/>
+                <a:cs typeface="+mn-cs"/>
+              </a:defRPr>
+            </a:lvl6pPr>
+            <a:lvl7pPr marL="2971726" indent="-228594" algn="l" defTabSz="914377" rtl="0" eaLnBrk="1" latinLnBrk="0" hangingPunct="1">
+              <a:lnSpc>
+                <a:spcPct val="90000"/>
+              </a:lnSpc>
+              <a:spcBef>
+                <a:spcPts val="500"/>
+              </a:spcBef>
+              <a:buFont typeface="Arial" panose="020B0604020202020204" pitchFamily="34" charset="0"/>
+              <a:buChar char="•"/>
+              <a:defRPr sz="1800" kern="1200">
+                <a:solidFill>
+                  <a:schemeClr val="tx1"/>
+                </a:solidFill>
+                <a:latin typeface="+mn-lt"/>
+                <a:ea typeface="+mn-ea"/>
+                <a:cs typeface="+mn-cs"/>
+              </a:defRPr>
+            </a:lvl7pPr>
+            <a:lvl8pPr marL="3428914" indent="-228594" algn="l" defTabSz="914377" rtl="0" eaLnBrk="1" latinLnBrk="0" hangingPunct="1">
+              <a:lnSpc>
+                <a:spcPct val="90000"/>
+              </a:lnSpc>
+              <a:spcBef>
+                <a:spcPts val="500"/>
+              </a:spcBef>
+              <a:buFont typeface="Arial" panose="020B0604020202020204" pitchFamily="34" charset="0"/>
+              <a:buChar char="•"/>
+              <a:defRPr sz="1800" kern="1200">
+                <a:solidFill>
+                  <a:schemeClr val="tx1"/>
+                </a:solidFill>
+                <a:latin typeface="+mn-lt"/>
+                <a:ea typeface="+mn-ea"/>
+                <a:cs typeface="+mn-cs"/>
+              </a:defRPr>
+            </a:lvl8pPr>
+            <a:lvl9pPr marL="3886103" indent="-228594" algn="l" defTabSz="914377" rtl="0" eaLnBrk="1" latinLnBrk="0" hangingPunct="1">
+              <a:lnSpc>
+                <a:spcPct val="90000"/>
+              </a:lnSpc>
+              <a:spcBef>
+                <a:spcPts val="500"/>
+              </a:spcBef>
+              <a:buFont typeface="Arial" panose="020B0604020202020204" pitchFamily="34" charset="0"/>
+              <a:buChar char="•"/>
+              <a:defRPr sz="1800" kern="1200">
+                <a:solidFill>
+                  <a:schemeClr val="tx1"/>
+                </a:solidFill>
+                <a:latin typeface="+mn-lt"/>
+                <a:ea typeface="+mn-ea"/>
+                <a:cs typeface="+mn-cs"/>
+              </a:defRPr>
+            </a:lvl9pPr>
+          </a:lstStyle>
+          <a:p>
+            <a:r>
+              <a:rPr lang="zh-CN" altLang="en-US" dirty="0"/>
+              <a:t>通知查看情况</a:t>
+            </a:r>
+            <a:endParaRPr lang="en-US" altLang="zh-CN" dirty="0"/>
           </a:p>
           <a:p>
             <a:endParaRPr lang="en-US" dirty="0"/>
@@ -4598,24 +4823,99 @@
       </p:sp>
       <p:sp>
         <p:nvSpPr>
-          <p:cNvPr id="4" name="Footer Placeholder 3"/>
-          <p:cNvSpPr>
-            <a:spLocks noGrp="1"/>
-          </p:cNvSpPr>
-          <p:nvPr>
-            <p:ph type="ftr" sz="quarter" idx="11"/>
-          </p:nvPr>
-        </p:nvSpPr>
-        <p:spPr/>
-        <p:txBody>
-          <a:bodyPr/>
-          <a:lstStyle/>
-          <a:p>
-            <a:r>
-              <a:rPr lang="en-US" smtClean="0"/>
-              <a:t>© Copyright 2016, Wechat Notifier Team</a:t>
-            </a:r>
-            <a:endParaRPr lang="en-US"/>
+          <p:cNvPr id="7" name="Rectangle 6"/>
+          <p:cNvSpPr/>
+          <p:nvPr/>
+        </p:nvSpPr>
+        <p:spPr>
+          <a:xfrm>
+            <a:off x="1770172" y="2261937"/>
+            <a:ext cx="2849955" cy="2743200"/>
+          </a:xfrm>
+          <a:prstGeom prst="rect">
+            <a:avLst/>
+          </a:prstGeom>
+        </p:spPr>
+        <p:style>
+          <a:lnRef idx="2">
+            <a:schemeClr val="accent1">
+              <a:shade val="50000"/>
+            </a:schemeClr>
+          </a:lnRef>
+          <a:fillRef idx="1">
+            <a:schemeClr val="accent1"/>
+          </a:fillRef>
+          <a:effectRef idx="0">
+            <a:schemeClr val="accent1"/>
+          </a:effectRef>
+          <a:fontRef idx="minor">
+            <a:schemeClr val="lt1"/>
+          </a:fontRef>
+        </p:style>
+        <p:txBody>
+          <a:bodyPr rot="0" spcFirstLastPara="0" vertOverflow="overflow" horzOverflow="overflow" vert="horz" wrap="square" lIns="91440" tIns="45720" rIns="91440" bIns="45720" numCol="1" spcCol="0" rtlCol="0" fromWordArt="0" anchor="ctr" anchorCtr="0" forceAA="0" compatLnSpc="1">
+            <a:prstTxWarp prst="textNoShape">
+              <a:avLst/>
+            </a:prstTxWarp>
+            <a:noAutofit/>
+          </a:bodyPr>
+          <a:lstStyle/>
+          <a:p>
+            <a:pPr algn="ctr"/>
+            <a:r>
+              <a:rPr lang="zh-CN" altLang="en-US" dirty="0"/>
+              <a:t>图！</a:t>
+            </a:r>
+            <a:endParaRPr lang="en-US" dirty="0"/>
+          </a:p>
+        </p:txBody>
+      </p:sp>
+      <p:sp>
+        <p:nvSpPr>
+          <p:cNvPr id="10" name="Rectangle 9"/>
+          <p:cNvSpPr/>
+          <p:nvPr/>
+        </p:nvSpPr>
+        <p:spPr>
+          <a:xfrm>
+            <a:off x="7360845" y="2261937"/>
+            <a:ext cx="2849955" cy="2743200"/>
+          </a:xfrm>
+          <a:prstGeom prst="rect">
+            <a:avLst/>
+          </a:prstGeom>
+        </p:spPr>
+        <p:style>
+          <a:lnRef idx="2">
+            <a:schemeClr val="accent1">
+              <a:shade val="50000"/>
+            </a:schemeClr>
+          </a:lnRef>
+          <a:fillRef idx="1">
+            <a:schemeClr val="accent1"/>
+          </a:fillRef>
+          <a:effectRef idx="0">
+            <a:schemeClr val="accent1"/>
+          </a:effectRef>
+          <a:fontRef idx="minor">
+            <a:schemeClr val="lt1"/>
+          </a:fontRef>
+        </p:style>
+        <p:txBody>
+          <a:bodyPr rot="0" spcFirstLastPara="0" vertOverflow="overflow" horzOverflow="overflow" vert="horz" wrap="square" lIns="91440" tIns="45720" rIns="91440" bIns="45720" numCol="1" spcCol="0" rtlCol="0" fromWordArt="0" anchor="ctr" anchorCtr="0" forceAA="0" compatLnSpc="1">
+            <a:prstTxWarp prst="textNoShape">
+              <a:avLst/>
+            </a:prstTxWarp>
+            <a:noAutofit/>
+          </a:bodyPr>
+          <a:lstStyle/>
+          <a:p>
+            <a:pPr algn="ctr"/>
+            <a:r>
+              <a:rPr lang="zh-CN" altLang="en-US" dirty="0"/>
+              <a:t>图！</a:t>
+            </a:r>
+            <a:endParaRPr lang="en-US" dirty="0"/>
           </a:p>
         </p:txBody>
       </p:sp>
@@ -4629,6 +4929,13 @@
   <p:clrMapOvr>
     <a:masterClrMapping/>
   </p:clrMapOvr>
+  <p:timing>
+    <p:tnLst>
+      <p:par>
+        <p:cTn id="1" dur="indefinite" restart="never" nodeType="tmRoot"/>
+      </p:par>
+    </p:tnLst>
+  </p:timing>
 </p:sld>
 </file>
 
@@ -4688,105 +4995,105 @@
           <a:lstStyle/>
           <a:p>
             <a:r>
-              <a:rPr lang="zh-CN" altLang="en-US" sz="2400" dirty="0" smtClean="0"/>
+              <a:rPr lang="zh-CN" altLang="en-US" sz="2400" dirty="0"/>
               <a:t>数据库设计：</a:t>
             </a:r>
-            <a:endParaRPr lang="en-US" altLang="zh-CN" sz="2400" dirty="0" smtClean="0"/>
+            <a:endParaRPr lang="en-US" altLang="zh-CN" sz="2400" dirty="0"/>
           </a:p>
           <a:p>
             <a:pPr lvl="1"/>
             <a:r>
-              <a:rPr lang="zh-CN" altLang="en-US" sz="2000" dirty="0" smtClean="0"/>
+              <a:rPr lang="zh-CN" altLang="en-US" sz="2000" dirty="0"/>
               <a:t>充分考虑系统的可扩展性：预留</a:t>
             </a:r>
             <a:r>
-              <a:rPr lang="en-US" altLang="zh-CN" sz="2000" dirty="0" err="1" smtClean="0"/>
+              <a:rPr lang="en-US" altLang="zh-CN" sz="2000" dirty="0" err="1"/>
               <a:t>groupID</a:t>
             </a:r>
             <a:r>
-              <a:rPr lang="zh-CN" altLang="en-US" sz="2000" dirty="0" smtClean="0"/>
+              <a:rPr lang="zh-CN" altLang="en-US" sz="2000" dirty="0"/>
               <a:t>，用户名及密码字段</a:t>
             </a:r>
-            <a:endParaRPr lang="en-US" altLang="zh-CN" sz="2000" dirty="0" smtClean="0"/>
+            <a:endParaRPr lang="en-US" altLang="zh-CN" sz="2000" dirty="0"/>
           </a:p>
           <a:p>
             <a:pPr lvl="1"/>
             <a:r>
-              <a:rPr lang="zh-CN" altLang="en-US" sz="2000" dirty="0" smtClean="0"/>
+              <a:rPr lang="zh-CN" altLang="en-US" sz="2000" dirty="0"/>
               <a:t>使用</a:t>
             </a:r>
             <a:r>
-              <a:rPr lang="en-US" altLang="zh-CN" sz="2000" dirty="0" smtClean="0"/>
+              <a:rPr lang="en-US" altLang="zh-CN" sz="2000" dirty="0"/>
               <a:t>JSON</a:t>
             </a:r>
             <a:r>
-              <a:rPr lang="zh-CN" altLang="en-US" sz="2000" dirty="0" smtClean="0"/>
+              <a:rPr lang="zh-CN" altLang="en-US" sz="2000" dirty="0"/>
               <a:t>格式传输数据，便于后续支持异步加载功能</a:t>
             </a:r>
-            <a:endParaRPr lang="en-US" altLang="zh-CN" sz="2000" dirty="0" smtClean="0"/>
-          </a:p>
-          <a:p>
-            <a:r>
-              <a:rPr lang="zh-CN" altLang="en-US" sz="2400" dirty="0" smtClean="0"/>
+            <a:endParaRPr lang="en-US" altLang="zh-CN" sz="2000" dirty="0"/>
+          </a:p>
+          <a:p>
+            <a:r>
+              <a:rPr lang="zh-CN" altLang="en-US" sz="2400" dirty="0"/>
               <a:t>微信接口：</a:t>
             </a:r>
-            <a:endParaRPr lang="en-US" altLang="zh-CN" sz="2400" dirty="0" smtClean="0"/>
+            <a:endParaRPr lang="en-US" altLang="zh-CN" sz="2400" dirty="0"/>
           </a:p>
           <a:p>
             <a:pPr lvl="1"/>
             <a:r>
-              <a:rPr lang="zh-CN" altLang="en-US" sz="2000" dirty="0" smtClean="0"/>
+              <a:rPr lang="zh-CN" altLang="en-US" sz="2000" dirty="0"/>
               <a:t>通过企业号的方式获得微信</a:t>
             </a:r>
             <a:r>
-              <a:rPr lang="en-US" altLang="zh-CN" sz="2000" dirty="0" err="1" smtClean="0"/>
+              <a:rPr lang="en-US" altLang="zh-CN" sz="2000" dirty="0" err="1"/>
               <a:t>Oauth</a:t>
             </a:r>
             <a:r>
-              <a:rPr lang="en-US" altLang="zh-CN" sz="2000" dirty="0" smtClean="0"/>
+              <a:rPr lang="en-US" altLang="zh-CN" sz="2000" dirty="0"/>
               <a:t> 2.0</a:t>
             </a:r>
             <a:r>
-              <a:rPr lang="zh-CN" altLang="en-US" sz="2000" dirty="0" smtClean="0"/>
+              <a:rPr lang="zh-CN" altLang="en-US" sz="2000" dirty="0"/>
               <a:t>接口授权</a:t>
             </a:r>
-            <a:endParaRPr lang="en-US" altLang="zh-CN" sz="2000" dirty="0" smtClean="0"/>
+            <a:endParaRPr lang="en-US" altLang="zh-CN" sz="2000" dirty="0"/>
           </a:p>
           <a:p>
             <a:pPr lvl="1"/>
             <a:r>
-              <a:rPr lang="zh-CN" altLang="en-US" sz="2000" dirty="0" smtClean="0"/>
+              <a:rPr lang="zh-CN" altLang="en-US" sz="2000" dirty="0"/>
               <a:t>将整个认证过程封装为</a:t>
             </a:r>
             <a:r>
-              <a:rPr lang="en-US" sz="2000" dirty="0" err="1" smtClean="0"/>
+              <a:rPr lang="en-US" sz="2000" dirty="0" err="1"/>
               <a:t>getOpenIDByREQUEST</a:t>
             </a:r>
             <a:r>
-              <a:rPr lang="en-US" sz="2000" dirty="0" smtClean="0"/>
+              <a:rPr lang="en-US" sz="2000" dirty="0"/>
               <a:t>()</a:t>
             </a:r>
             <a:r>
-              <a:rPr lang="zh-CN" altLang="en-US" sz="2000" dirty="0" smtClean="0"/>
+              <a:rPr lang="zh-CN" altLang="en-US" sz="2000" dirty="0"/>
               <a:t>函数便于重复使用</a:t>
             </a:r>
-            <a:endParaRPr lang="en-US" altLang="zh-CN" sz="2000" dirty="0" smtClean="0"/>
+            <a:endParaRPr lang="en-US" altLang="zh-CN" sz="2000" dirty="0"/>
           </a:p>
           <a:p>
             <a:pPr lvl="0"/>
             <a:r>
-              <a:rPr lang="zh-CN" altLang="en-US" sz="2400" dirty="0" smtClean="0"/>
+              <a:rPr lang="zh-CN" altLang="en-US" sz="2400" dirty="0"/>
               <a:t>页面设计</a:t>
             </a:r>
-            <a:endParaRPr lang="en-US" sz="2400" dirty="0" smtClean="0"/>
+            <a:endParaRPr lang="en-US" sz="2400" dirty="0"/>
           </a:p>
           <a:p>
             <a:pPr lvl="1"/>
             <a:r>
-              <a:rPr lang="zh-CN" altLang="en-US" sz="2000" dirty="0" smtClean="0"/>
+              <a:rPr lang="zh-CN" altLang="en-US" sz="2000" dirty="0"/>
               <a:t>页面美观大方，上方设有导航栏，易于用户使用</a:t>
             </a:r>
-            <a:endParaRPr lang="en-US" altLang="zh-CN" sz="2000" dirty="0" smtClean="0"/>
+            <a:endParaRPr lang="en-US" altLang="zh-CN" sz="2000" dirty="0"/>
           </a:p>
           <a:p>
             <a:r>
@@ -4794,26 +5101,26 @@
               <a:t>项</a:t>
             </a:r>
             <a:r>
-              <a:rPr lang="zh-CN" altLang="en-US" sz="2400" dirty="0" smtClean="0"/>
+              <a:rPr lang="zh-CN" altLang="en-US" sz="2400" dirty="0"/>
               <a:t>目小组成员都不是计算机专业的学生，我们在开发过程中自行学习了</a:t>
             </a:r>
             <a:r>
-              <a:rPr lang="en-US" altLang="zh-CN" sz="2400" dirty="0" smtClean="0"/>
+              <a:rPr lang="en-US" altLang="zh-CN" sz="2400" dirty="0"/>
               <a:t>PHP</a:t>
             </a:r>
             <a:r>
-              <a:rPr lang="zh-CN" altLang="en-US" sz="2400" dirty="0" smtClean="0"/>
+              <a:rPr lang="zh-CN" altLang="en-US" sz="2400" dirty="0"/>
               <a:t>、</a:t>
             </a:r>
             <a:r>
-              <a:rPr lang="en-US" altLang="zh-CN" sz="2400" dirty="0" smtClean="0"/>
+              <a:rPr lang="en-US" altLang="zh-CN" sz="2400" dirty="0"/>
               <a:t>HTML</a:t>
             </a:r>
             <a:r>
-              <a:rPr lang="zh-CN" altLang="en-US" sz="2400" dirty="0" smtClean="0"/>
+              <a:rPr lang="zh-CN" altLang="en-US" sz="2400" dirty="0"/>
               <a:t>等语言。</a:t>
             </a:r>
-            <a:endParaRPr lang="en-US" altLang="zh-CN" sz="2400" dirty="0" smtClean="0"/>
+            <a:endParaRPr lang="en-US" altLang="zh-CN" sz="2400" dirty="0"/>
           </a:p>
           <a:p>
             <a:endParaRPr lang="en-US" dirty="0"/>
@@ -4853,6 +5160,13 @@
   <p:clrMapOvr>
     <a:masterClrMapping/>
   </p:clrMapOvr>
+  <p:timing>
+    <p:tnLst>
+      <p:par>
+        <p:cTn id="1" dur="indefinite" restart="never" nodeType="tmRoot"/>
+      </p:par>
+    </p:tnLst>
+  </p:timing>
 </p:sld>
 </file>
 
@@ -4993,6 +5307,13 @@
   <p:clrMapOvr>
     <a:masterClrMapping/>
   </p:clrMapOvr>
+  <p:timing>
+    <p:tnLst>
+      <p:par>
+        <p:cTn id="1" dur="indefinite" restart="never" nodeType="tmRoot"/>
+      </p:par>
+    </p:tnLst>
+  </p:timing>
 </p:sld>
 </file>
 
@@ -5025,7 +5346,7 @@
         </p:nvSpPr>
         <p:spPr>
           <a:xfrm>
-            <a:off x="4132730" y="1606457"/>
+            <a:off x="4132731" y="1606457"/>
             <a:ext cx="6629400" cy="2387600"/>
           </a:xfrm>
         </p:spPr>
